--- a/Calendario2019/Presentaciones/Semana5/SITUACION2F.pptx
+++ b/Calendario2019/Presentaciones/Semana5/SITUACION2F.pptx
@@ -9575,11 +9575,34 @@
                 </a:solidFill>
                 <a:cs typeface="Arial" pitchFamily="34" charset="0"/>
               </a:rPr>
-              <a:t>a partir de la hoja de </a:t>
+              <a:t>y </a:t>
             </a:r>
             <a:r>
               <a:rPr lang="es-MX" sz="1600" b="1" dirty="0">
                 <a:solidFill>
+                  <a:schemeClr val="accent6">
+                    <a:lumMod val="75000"/>
+                  </a:schemeClr>
+                </a:solidFill>
+                <a:cs typeface="Arial" pitchFamily="34" charset="0"/>
+              </a:rPr>
+              <a:t>CIUDAD </a:t>
+            </a:r>
+            <a:r>
+              <a:rPr lang="es-MX" sz="1600" dirty="0">
+                <a:solidFill>
+                  <a:schemeClr val="accent5">
+                    <a:lumMod val="40000"/>
+                    <a:lumOff val="60000"/>
+                  </a:schemeClr>
+                </a:solidFill>
+                <a:cs typeface="Arial" pitchFamily="34" charset="0"/>
+              </a:rPr>
+              <a:t>partir de la hoja de </a:t>
+            </a:r>
+            <a:r>
+              <a:rPr lang="es-MX" sz="1600" b="1">
+                <a:solidFill>
                   <a:srgbClr val="92D050"/>
                 </a:solidFill>
                 <a:cs typeface="Arial" pitchFamily="34" charset="0"/>
@@ -9587,7 +9610,7 @@
               <a:t>Comercios</a:t>
             </a:r>
             <a:r>
-              <a:rPr lang="es-MX" sz="1600" dirty="0">
+              <a:rPr lang="es-MX" sz="1600">
                 <a:solidFill>
                   <a:schemeClr val="accent5">
                     <a:lumMod val="40000"/>
@@ -9608,50 +9631,15 @@
                 <a:spcPct val="0"/>
               </a:spcBef>
             </a:pPr>
-            <a:r>
-              <a:rPr lang="es-MX" sz="1600" b="1" dirty="0">
-                <a:solidFill>
-                  <a:schemeClr val="accent6">
-                    <a:lumMod val="75000"/>
-                  </a:schemeClr>
-                </a:solidFill>
-                <a:cs typeface="Arial" pitchFamily="34" charset="0"/>
-              </a:rPr>
-              <a:t>CIUDAD </a:t>
-            </a:r>
-            <a:r>
-              <a:rPr lang="es-MX" sz="1600" dirty="0">
-                <a:solidFill>
-                  <a:schemeClr val="accent5">
-                    <a:lumMod val="40000"/>
-                    <a:lumOff val="60000"/>
-                  </a:schemeClr>
-                </a:solidFill>
-                <a:cs typeface="Arial" pitchFamily="34" charset="0"/>
-              </a:rPr>
-              <a:t>a partir de la hoja de </a:t>
-            </a:r>
-            <a:r>
-              <a:rPr lang="es-MX" sz="1600" b="1" dirty="0">
-                <a:solidFill>
-                  <a:srgbClr val="92D050"/>
-                </a:solidFill>
-                <a:cs typeface="Arial" pitchFamily="34" charset="0"/>
-              </a:rPr>
-              <a:t>Ciudades</a:t>
-            </a:r>
-            <a:r>
-              <a:rPr lang="es-MX" sz="1600" dirty="0">
-                <a:solidFill>
-                  <a:schemeClr val="accent5">
-                    <a:lumMod val="40000"/>
-                    <a:lumOff val="60000"/>
-                  </a:schemeClr>
-                </a:solidFill>
-                <a:cs typeface="Arial" pitchFamily="34" charset="0"/>
-              </a:rPr>
-              <a:t>.</a:t>
-            </a:r>
+            <a:endParaRPr lang="es-MX" sz="1600" dirty="0">
+              <a:solidFill>
+                <a:schemeClr val="accent5">
+                  <a:lumMod val="40000"/>
+                  <a:lumOff val="60000"/>
+                </a:schemeClr>
+              </a:solidFill>
+              <a:cs typeface="Arial" pitchFamily="34" charset="0"/>
+            </a:endParaRPr>
           </a:p>
           <a:p>
             <a:pPr marL="0" indent="0" algn="just">
